--- a/_data/2021-06-24-CNN.pptx
+++ b/_data/2021-06-24-CNN.pptx
@@ -104,6 +104,11 @@
       </a:defRPr>
     </a:lvl9pPr>
   </p:defaultTextStyle>
+  <p:extLst>
+    <p:ext uri="{EFAFB233-063F-42B5-8137-9DF3F51BA10A}">
+      <p15:sldGuideLst xmlns:p15="http://schemas.microsoft.com/office/powerpoint/2012/main"/>
+    </p:ext>
+  </p:extLst>
 </p:presentation>
 </file>
 
@@ -238,7 +243,7 @@
           <a:p>
             <a:fld id="{8911F79C-6DDB-4631-B72C-84999782691C}" type="datetimeFigureOut">
               <a:rPr lang="ko-KR" altLang="en-US" smtClean="0"/>
-              <a:t>2021-06-24</a:t>
+              <a:t>2021-07-02</a:t>
             </a:fld>
             <a:endParaRPr lang="ko-KR" altLang="en-US"/>
           </a:p>
@@ -408,7 +413,7 @@
           <a:p>
             <a:fld id="{8911F79C-6DDB-4631-B72C-84999782691C}" type="datetimeFigureOut">
               <a:rPr lang="ko-KR" altLang="en-US" smtClean="0"/>
-              <a:t>2021-06-24</a:t>
+              <a:t>2021-07-02</a:t>
             </a:fld>
             <a:endParaRPr lang="ko-KR" altLang="en-US"/>
           </a:p>
@@ -588,7 +593,7 @@
           <a:p>
             <a:fld id="{8911F79C-6DDB-4631-B72C-84999782691C}" type="datetimeFigureOut">
               <a:rPr lang="ko-KR" altLang="en-US" smtClean="0"/>
-              <a:t>2021-06-24</a:t>
+              <a:t>2021-07-02</a:t>
             </a:fld>
             <a:endParaRPr lang="ko-KR" altLang="en-US"/>
           </a:p>
@@ -758,7 +763,7 @@
           <a:p>
             <a:fld id="{8911F79C-6DDB-4631-B72C-84999782691C}" type="datetimeFigureOut">
               <a:rPr lang="ko-KR" altLang="en-US" smtClean="0"/>
-              <a:t>2021-06-24</a:t>
+              <a:t>2021-07-02</a:t>
             </a:fld>
             <a:endParaRPr lang="ko-KR" altLang="en-US"/>
           </a:p>
@@ -1004,7 +1009,7 @@
           <a:p>
             <a:fld id="{8911F79C-6DDB-4631-B72C-84999782691C}" type="datetimeFigureOut">
               <a:rPr lang="ko-KR" altLang="en-US" smtClean="0"/>
-              <a:t>2021-06-24</a:t>
+              <a:t>2021-07-02</a:t>
             </a:fld>
             <a:endParaRPr lang="ko-KR" altLang="en-US"/>
           </a:p>
@@ -1236,7 +1241,7 @@
           <a:p>
             <a:fld id="{8911F79C-6DDB-4631-B72C-84999782691C}" type="datetimeFigureOut">
               <a:rPr lang="ko-KR" altLang="en-US" smtClean="0"/>
-              <a:t>2021-06-24</a:t>
+              <a:t>2021-07-02</a:t>
             </a:fld>
             <a:endParaRPr lang="ko-KR" altLang="en-US"/>
           </a:p>
@@ -1603,7 +1608,7 @@
           <a:p>
             <a:fld id="{8911F79C-6DDB-4631-B72C-84999782691C}" type="datetimeFigureOut">
               <a:rPr lang="ko-KR" altLang="en-US" smtClean="0"/>
-              <a:t>2021-06-24</a:t>
+              <a:t>2021-07-02</a:t>
             </a:fld>
             <a:endParaRPr lang="ko-KR" altLang="en-US"/>
           </a:p>
@@ -1721,7 +1726,7 @@
           <a:p>
             <a:fld id="{8911F79C-6DDB-4631-B72C-84999782691C}" type="datetimeFigureOut">
               <a:rPr lang="ko-KR" altLang="en-US" smtClean="0"/>
-              <a:t>2021-06-24</a:t>
+              <a:t>2021-07-02</a:t>
             </a:fld>
             <a:endParaRPr lang="ko-KR" altLang="en-US"/>
           </a:p>
@@ -1816,7 +1821,7 @@
           <a:p>
             <a:fld id="{8911F79C-6DDB-4631-B72C-84999782691C}" type="datetimeFigureOut">
               <a:rPr lang="ko-KR" altLang="en-US" smtClean="0"/>
-              <a:t>2021-06-24</a:t>
+              <a:t>2021-07-02</a:t>
             </a:fld>
             <a:endParaRPr lang="ko-KR" altLang="en-US"/>
           </a:p>
@@ -2093,7 +2098,7 @@
           <a:p>
             <a:fld id="{8911F79C-6DDB-4631-B72C-84999782691C}" type="datetimeFigureOut">
               <a:rPr lang="ko-KR" altLang="en-US" smtClean="0"/>
-              <a:t>2021-06-24</a:t>
+              <a:t>2021-07-02</a:t>
             </a:fld>
             <a:endParaRPr lang="ko-KR" altLang="en-US"/>
           </a:p>
@@ -2346,7 +2351,7 @@
           <a:p>
             <a:fld id="{8911F79C-6DDB-4631-B72C-84999782691C}" type="datetimeFigureOut">
               <a:rPr lang="ko-KR" altLang="en-US" smtClean="0"/>
-              <a:t>2021-06-24</a:t>
+              <a:t>2021-07-02</a:t>
             </a:fld>
             <a:endParaRPr lang="ko-KR" altLang="en-US"/>
           </a:p>
@@ -2559,7 +2564,7 @@
           <a:p>
             <a:fld id="{8911F79C-6DDB-4631-B72C-84999782691C}" type="datetimeFigureOut">
               <a:rPr lang="ko-KR" altLang="en-US" smtClean="0"/>
-              <a:t>2021-06-24</a:t>
+              <a:t>2021-07-02</a:t>
             </a:fld>
             <a:endParaRPr lang="ko-KR" altLang="en-US"/>
           </a:p>
@@ -2964,6 +2969,735 @@
           <a:chExt cx="0" cy="0"/>
         </a:xfrm>
       </p:grpSpPr>
+      <p:grpSp>
+        <p:nvGrpSpPr>
+          <p:cNvPr id="7" name="그룹 6"/>
+          <p:cNvGrpSpPr/>
+          <p:nvPr/>
+        </p:nvGrpSpPr>
+        <p:grpSpPr>
+          <a:xfrm>
+            <a:off x="4296000" y="1629000"/>
+            <a:ext cx="3600000" cy="3600000"/>
+            <a:chOff x="4177717" y="998290"/>
+            <a:chExt cx="3600000" cy="3600000"/>
+          </a:xfrm>
+        </p:grpSpPr>
+        <p:cxnSp>
+          <p:nvCxnSpPr>
+            <p:cNvPr id="5" name="직선 연결선 4"/>
+            <p:cNvCxnSpPr/>
+            <p:nvPr/>
+          </p:nvCxnSpPr>
+          <p:spPr>
+            <a:xfrm>
+              <a:off x="4177717" y="998290"/>
+              <a:ext cx="0" cy="3600000"/>
+            </a:xfrm>
+            <a:prstGeom prst="line">
+              <a:avLst/>
+            </a:prstGeom>
+            <a:ln w="28575">
+              <a:solidFill>
+                <a:schemeClr val="tx1"/>
+              </a:solidFill>
+            </a:ln>
+          </p:spPr>
+          <p:style>
+            <a:lnRef idx="1">
+              <a:schemeClr val="accent1"/>
+            </a:lnRef>
+            <a:fillRef idx="0">
+              <a:schemeClr val="accent1"/>
+            </a:fillRef>
+            <a:effectRef idx="0">
+              <a:schemeClr val="accent1"/>
+            </a:effectRef>
+            <a:fontRef idx="minor">
+              <a:schemeClr val="tx1"/>
+            </a:fontRef>
+          </p:style>
+        </p:cxnSp>
+        <p:cxnSp>
+          <p:nvCxnSpPr>
+            <p:cNvPr id="6" name="직선 연결선 5"/>
+            <p:cNvCxnSpPr/>
+            <p:nvPr/>
+          </p:nvCxnSpPr>
+          <p:spPr>
+            <a:xfrm rot="16200000">
+              <a:off x="5977717" y="2798290"/>
+              <a:ext cx="0" cy="3600000"/>
+            </a:xfrm>
+            <a:prstGeom prst="line">
+              <a:avLst/>
+            </a:prstGeom>
+            <a:ln w="28575">
+              <a:solidFill>
+                <a:schemeClr val="tx1"/>
+              </a:solidFill>
+            </a:ln>
+          </p:spPr>
+          <p:style>
+            <a:lnRef idx="1">
+              <a:schemeClr val="accent1"/>
+            </a:lnRef>
+            <a:fillRef idx="0">
+              <a:schemeClr val="accent1"/>
+            </a:fillRef>
+            <a:effectRef idx="0">
+              <a:schemeClr val="accent1"/>
+            </a:effectRef>
+            <a:fontRef idx="minor">
+              <a:schemeClr val="tx1"/>
+            </a:fontRef>
+          </p:style>
+        </p:cxnSp>
+      </p:grpSp>
+      <p:sp>
+        <p:nvSpPr>
+          <p:cNvPr id="8" name="타원 7"/>
+          <p:cNvSpPr/>
+          <p:nvPr/>
+        </p:nvSpPr>
+        <p:spPr>
+          <a:xfrm>
+            <a:off x="4959583" y="2401407"/>
+            <a:ext cx="90000" cy="90000"/>
+          </a:xfrm>
+          <a:prstGeom prst="ellipse">
+            <a:avLst/>
+          </a:prstGeom>
+          <a:solidFill>
+            <a:srgbClr val="0070C0"/>
+          </a:solidFill>
+          <a:ln>
+            <a:noFill/>
+          </a:ln>
+        </p:spPr>
+        <p:style>
+          <a:lnRef idx="2">
+            <a:schemeClr val="accent1">
+              <a:shade val="50000"/>
+            </a:schemeClr>
+          </a:lnRef>
+          <a:fillRef idx="1">
+            <a:schemeClr val="accent1"/>
+          </a:fillRef>
+          <a:effectRef idx="0">
+            <a:schemeClr val="accent1"/>
+          </a:effectRef>
+          <a:fontRef idx="minor">
+            <a:schemeClr val="lt1"/>
+          </a:fontRef>
+        </p:style>
+        <p:txBody>
+          <a:bodyPr rtlCol="0" anchor="ctr"/>
+          <a:lstStyle/>
+          <a:p>
+            <a:pPr algn="ctr"/>
+            <a:endParaRPr lang="ko-KR" altLang="en-US"/>
+          </a:p>
+        </p:txBody>
+      </p:sp>
+      <p:sp>
+        <p:nvSpPr>
+          <p:cNvPr id="9" name="타원 8"/>
+          <p:cNvSpPr/>
+          <p:nvPr/>
+        </p:nvSpPr>
+        <p:spPr>
+          <a:xfrm>
+            <a:off x="7251933" y="4522307"/>
+            <a:ext cx="90000" cy="90000"/>
+          </a:xfrm>
+          <a:prstGeom prst="ellipse">
+            <a:avLst/>
+          </a:prstGeom>
+          <a:solidFill>
+            <a:srgbClr val="FF0000"/>
+          </a:solidFill>
+          <a:ln>
+            <a:noFill/>
+          </a:ln>
+        </p:spPr>
+        <p:style>
+          <a:lnRef idx="2">
+            <a:schemeClr val="accent1">
+              <a:shade val="50000"/>
+            </a:schemeClr>
+          </a:lnRef>
+          <a:fillRef idx="1">
+            <a:schemeClr val="accent1"/>
+          </a:fillRef>
+          <a:effectRef idx="0">
+            <a:schemeClr val="accent1"/>
+          </a:effectRef>
+          <a:fontRef idx="minor">
+            <a:schemeClr val="lt1"/>
+          </a:fontRef>
+        </p:style>
+        <p:txBody>
+          <a:bodyPr rtlCol="0" anchor="ctr"/>
+          <a:lstStyle/>
+          <a:p>
+            <a:pPr algn="ctr"/>
+            <a:endParaRPr lang="ko-KR" altLang="en-US"/>
+          </a:p>
+        </p:txBody>
+      </p:sp>
+      <p:sp>
+        <p:nvSpPr>
+          <p:cNvPr id="10" name="타원 9"/>
+          <p:cNvSpPr/>
+          <p:nvPr/>
+        </p:nvSpPr>
+        <p:spPr>
+          <a:xfrm>
+            <a:off x="4914583" y="3906357"/>
+            <a:ext cx="90000" cy="90000"/>
+          </a:xfrm>
+          <a:prstGeom prst="ellipse">
+            <a:avLst/>
+          </a:prstGeom>
+          <a:solidFill>
+            <a:srgbClr val="0070C0"/>
+          </a:solidFill>
+          <a:ln>
+            <a:noFill/>
+          </a:ln>
+        </p:spPr>
+        <p:style>
+          <a:lnRef idx="2">
+            <a:schemeClr val="accent1">
+              <a:shade val="50000"/>
+            </a:schemeClr>
+          </a:lnRef>
+          <a:fillRef idx="1">
+            <a:schemeClr val="accent1"/>
+          </a:fillRef>
+          <a:effectRef idx="0">
+            <a:schemeClr val="accent1"/>
+          </a:effectRef>
+          <a:fontRef idx="minor">
+            <a:schemeClr val="lt1"/>
+          </a:fontRef>
+        </p:style>
+        <p:txBody>
+          <a:bodyPr rtlCol="0" anchor="ctr"/>
+          <a:lstStyle/>
+          <a:p>
+            <a:pPr algn="ctr"/>
+            <a:endParaRPr lang="ko-KR" altLang="en-US"/>
+          </a:p>
+        </p:txBody>
+      </p:sp>
+      <p:sp>
+        <p:nvSpPr>
+          <p:cNvPr id="11" name="타원 10"/>
+          <p:cNvSpPr/>
+          <p:nvPr/>
+        </p:nvSpPr>
+        <p:spPr>
+          <a:xfrm>
+            <a:off x="6420083" y="1931507"/>
+            <a:ext cx="90000" cy="90000"/>
+          </a:xfrm>
+          <a:prstGeom prst="ellipse">
+            <a:avLst/>
+          </a:prstGeom>
+          <a:solidFill>
+            <a:srgbClr val="00B050"/>
+          </a:solidFill>
+          <a:ln>
+            <a:noFill/>
+          </a:ln>
+        </p:spPr>
+        <p:style>
+          <a:lnRef idx="2">
+            <a:schemeClr val="accent1">
+              <a:shade val="50000"/>
+            </a:schemeClr>
+          </a:lnRef>
+          <a:fillRef idx="1">
+            <a:schemeClr val="accent1"/>
+          </a:fillRef>
+          <a:effectRef idx="0">
+            <a:schemeClr val="accent1"/>
+          </a:effectRef>
+          <a:fontRef idx="minor">
+            <a:schemeClr val="lt1"/>
+          </a:fontRef>
+        </p:style>
+        <p:txBody>
+          <a:bodyPr rtlCol="0" anchor="ctr"/>
+          <a:lstStyle/>
+          <a:p>
+            <a:pPr algn="ctr"/>
+            <a:endParaRPr lang="ko-KR" altLang="en-US"/>
+          </a:p>
+        </p:txBody>
+      </p:sp>
+      <p:sp>
+        <p:nvSpPr>
+          <p:cNvPr id="12" name="타원 11"/>
+          <p:cNvSpPr/>
+          <p:nvPr/>
+        </p:nvSpPr>
+        <p:spPr>
+          <a:xfrm>
+            <a:off x="7524983" y="4096857"/>
+            <a:ext cx="90000" cy="90000"/>
+          </a:xfrm>
+          <a:prstGeom prst="ellipse">
+            <a:avLst/>
+          </a:prstGeom>
+          <a:solidFill>
+            <a:srgbClr val="FF0000"/>
+          </a:solidFill>
+          <a:ln>
+            <a:noFill/>
+          </a:ln>
+        </p:spPr>
+        <p:style>
+          <a:lnRef idx="2">
+            <a:schemeClr val="accent1">
+              <a:shade val="50000"/>
+            </a:schemeClr>
+          </a:lnRef>
+          <a:fillRef idx="1">
+            <a:schemeClr val="accent1"/>
+          </a:fillRef>
+          <a:effectRef idx="0">
+            <a:schemeClr val="accent1"/>
+          </a:effectRef>
+          <a:fontRef idx="minor">
+            <a:schemeClr val="lt1"/>
+          </a:fontRef>
+        </p:style>
+        <p:txBody>
+          <a:bodyPr rtlCol="0" anchor="ctr"/>
+          <a:lstStyle/>
+          <a:p>
+            <a:pPr algn="ctr"/>
+            <a:endParaRPr lang="ko-KR" altLang="en-US"/>
+          </a:p>
+        </p:txBody>
+      </p:sp>
+      <p:sp>
+        <p:nvSpPr>
+          <p:cNvPr id="13" name="타원 12"/>
+          <p:cNvSpPr/>
+          <p:nvPr/>
+        </p:nvSpPr>
+        <p:spPr>
+          <a:xfrm>
+            <a:off x="5638967" y="2858607"/>
+            <a:ext cx="90000" cy="90000"/>
+          </a:xfrm>
+          <a:prstGeom prst="ellipse">
+            <a:avLst/>
+          </a:prstGeom>
+          <a:solidFill>
+            <a:srgbClr val="0070C0"/>
+          </a:solidFill>
+          <a:ln>
+            <a:noFill/>
+          </a:ln>
+        </p:spPr>
+        <p:style>
+          <a:lnRef idx="2">
+            <a:schemeClr val="accent1">
+              <a:shade val="50000"/>
+            </a:schemeClr>
+          </a:lnRef>
+          <a:fillRef idx="1">
+            <a:schemeClr val="accent1"/>
+          </a:fillRef>
+          <a:effectRef idx="0">
+            <a:schemeClr val="accent1"/>
+          </a:effectRef>
+          <a:fontRef idx="minor">
+            <a:schemeClr val="lt1"/>
+          </a:fontRef>
+        </p:style>
+        <p:txBody>
+          <a:bodyPr rtlCol="0" anchor="ctr"/>
+          <a:lstStyle/>
+          <a:p>
+            <a:pPr algn="ctr"/>
+            <a:endParaRPr lang="ko-KR" altLang="en-US"/>
+          </a:p>
+        </p:txBody>
+      </p:sp>
+      <p:sp>
+        <p:nvSpPr>
+          <p:cNvPr id="14" name="타원 13"/>
+          <p:cNvSpPr/>
+          <p:nvPr/>
+        </p:nvSpPr>
+        <p:spPr>
+          <a:xfrm>
+            <a:off x="7086833" y="3633307"/>
+            <a:ext cx="90000" cy="90000"/>
+          </a:xfrm>
+          <a:prstGeom prst="ellipse">
+            <a:avLst/>
+          </a:prstGeom>
+          <a:solidFill>
+            <a:srgbClr val="FF0000"/>
+          </a:solidFill>
+          <a:ln>
+            <a:noFill/>
+          </a:ln>
+        </p:spPr>
+        <p:style>
+          <a:lnRef idx="2">
+            <a:schemeClr val="accent1">
+              <a:shade val="50000"/>
+            </a:schemeClr>
+          </a:lnRef>
+          <a:fillRef idx="1">
+            <a:schemeClr val="accent1"/>
+          </a:fillRef>
+          <a:effectRef idx="0">
+            <a:schemeClr val="accent1"/>
+          </a:effectRef>
+          <a:fontRef idx="minor">
+            <a:schemeClr val="lt1"/>
+          </a:fontRef>
+        </p:style>
+        <p:txBody>
+          <a:bodyPr rtlCol="0" anchor="ctr"/>
+          <a:lstStyle/>
+          <a:p>
+            <a:pPr algn="ctr"/>
+            <a:endParaRPr lang="ko-KR" altLang="en-US"/>
+          </a:p>
+        </p:txBody>
+      </p:sp>
+      <p:sp>
+        <p:nvSpPr>
+          <p:cNvPr id="15" name="타원 14"/>
+          <p:cNvSpPr/>
+          <p:nvPr/>
+        </p:nvSpPr>
+        <p:spPr>
+          <a:xfrm>
+            <a:off x="7479983" y="2446407"/>
+            <a:ext cx="90000" cy="90000"/>
+          </a:xfrm>
+          <a:prstGeom prst="ellipse">
+            <a:avLst/>
+          </a:prstGeom>
+          <a:solidFill>
+            <a:srgbClr val="00B050"/>
+          </a:solidFill>
+          <a:ln>
+            <a:noFill/>
+          </a:ln>
+        </p:spPr>
+        <p:style>
+          <a:lnRef idx="2">
+            <a:schemeClr val="accent1">
+              <a:shade val="50000"/>
+            </a:schemeClr>
+          </a:lnRef>
+          <a:fillRef idx="1">
+            <a:schemeClr val="accent1"/>
+          </a:fillRef>
+          <a:effectRef idx="0">
+            <a:schemeClr val="accent1"/>
+          </a:effectRef>
+          <a:fontRef idx="minor">
+            <a:schemeClr val="lt1"/>
+          </a:fontRef>
+        </p:style>
+        <p:txBody>
+          <a:bodyPr rtlCol="0" anchor="ctr"/>
+          <a:lstStyle/>
+          <a:p>
+            <a:pPr algn="ctr"/>
+            <a:endParaRPr lang="ko-KR" altLang="en-US"/>
+          </a:p>
+        </p:txBody>
+      </p:sp>
+      <p:sp>
+        <p:nvSpPr>
+          <p:cNvPr id="16" name="타원 15"/>
+          <p:cNvSpPr/>
+          <p:nvPr/>
+        </p:nvSpPr>
+        <p:spPr>
+          <a:xfrm>
+            <a:off x="5313042" y="4785653"/>
+            <a:ext cx="90000" cy="90000"/>
+          </a:xfrm>
+          <a:prstGeom prst="ellipse">
+            <a:avLst/>
+          </a:prstGeom>
+          <a:solidFill>
+            <a:srgbClr val="FF0000"/>
+          </a:solidFill>
+          <a:ln>
+            <a:noFill/>
+          </a:ln>
+        </p:spPr>
+        <p:style>
+          <a:lnRef idx="2">
+            <a:schemeClr val="accent1">
+              <a:shade val="50000"/>
+            </a:schemeClr>
+          </a:lnRef>
+          <a:fillRef idx="1">
+            <a:schemeClr val="accent1"/>
+          </a:fillRef>
+          <a:effectRef idx="0">
+            <a:schemeClr val="accent1"/>
+          </a:effectRef>
+          <a:fontRef idx="minor">
+            <a:schemeClr val="lt1"/>
+          </a:fontRef>
+        </p:style>
+        <p:txBody>
+          <a:bodyPr rtlCol="0" anchor="ctr"/>
+          <a:lstStyle/>
+          <a:p>
+            <a:pPr algn="ctr"/>
+            <a:endParaRPr lang="ko-KR" altLang="en-US"/>
+          </a:p>
+        </p:txBody>
+      </p:sp>
+      <p:sp>
+        <p:nvSpPr>
+          <p:cNvPr id="17" name="타원 16"/>
+          <p:cNvSpPr/>
+          <p:nvPr/>
+        </p:nvSpPr>
+        <p:spPr>
+          <a:xfrm>
+            <a:off x="6330083" y="3953803"/>
+            <a:ext cx="90000" cy="90000"/>
+          </a:xfrm>
+          <a:prstGeom prst="ellipse">
+            <a:avLst/>
+          </a:prstGeom>
+          <a:solidFill>
+            <a:srgbClr val="FF0000"/>
+          </a:solidFill>
+          <a:ln>
+            <a:noFill/>
+          </a:ln>
+        </p:spPr>
+        <p:style>
+          <a:lnRef idx="2">
+            <a:schemeClr val="accent1">
+              <a:shade val="50000"/>
+            </a:schemeClr>
+          </a:lnRef>
+          <a:fillRef idx="1">
+            <a:schemeClr val="accent1"/>
+          </a:fillRef>
+          <a:effectRef idx="0">
+            <a:schemeClr val="accent1"/>
+          </a:effectRef>
+          <a:fontRef idx="minor">
+            <a:schemeClr val="lt1"/>
+          </a:fontRef>
+        </p:style>
+        <p:txBody>
+          <a:bodyPr rtlCol="0" anchor="ctr"/>
+          <a:lstStyle/>
+          <a:p>
+            <a:pPr algn="ctr"/>
+            <a:endParaRPr lang="ko-KR" altLang="en-US"/>
+          </a:p>
+        </p:txBody>
+      </p:sp>
+      <p:sp>
+        <p:nvSpPr>
+          <p:cNvPr id="18" name="타원 17"/>
+          <p:cNvSpPr/>
+          <p:nvPr/>
+        </p:nvSpPr>
+        <p:spPr>
+          <a:xfrm>
+            <a:off x="5775492" y="2223607"/>
+            <a:ext cx="90000" cy="90000"/>
+          </a:xfrm>
+          <a:prstGeom prst="ellipse">
+            <a:avLst/>
+          </a:prstGeom>
+          <a:solidFill>
+            <a:srgbClr val="00B050"/>
+          </a:solidFill>
+          <a:ln>
+            <a:noFill/>
+          </a:ln>
+        </p:spPr>
+        <p:style>
+          <a:lnRef idx="2">
+            <a:schemeClr val="accent1">
+              <a:shade val="50000"/>
+            </a:schemeClr>
+          </a:lnRef>
+          <a:fillRef idx="1">
+            <a:schemeClr val="accent1"/>
+          </a:fillRef>
+          <a:effectRef idx="0">
+            <a:schemeClr val="accent1"/>
+          </a:effectRef>
+          <a:fontRef idx="minor">
+            <a:schemeClr val="lt1"/>
+          </a:fontRef>
+        </p:style>
+        <p:txBody>
+          <a:bodyPr rtlCol="0" anchor="ctr"/>
+          <a:lstStyle/>
+          <a:p>
+            <a:pPr algn="ctr"/>
+            <a:endParaRPr lang="ko-KR" altLang="en-US"/>
+          </a:p>
+        </p:txBody>
+      </p:sp>
+      <p:sp>
+        <p:nvSpPr>
+          <p:cNvPr id="19" name="타원 18"/>
+          <p:cNvSpPr/>
+          <p:nvPr/>
+        </p:nvSpPr>
+        <p:spPr>
+          <a:xfrm>
+            <a:off x="5049583" y="3153882"/>
+            <a:ext cx="90000" cy="90000"/>
+          </a:xfrm>
+          <a:prstGeom prst="ellipse">
+            <a:avLst/>
+          </a:prstGeom>
+          <a:solidFill>
+            <a:srgbClr val="0070C0"/>
+          </a:solidFill>
+          <a:ln>
+            <a:noFill/>
+          </a:ln>
+        </p:spPr>
+        <p:style>
+          <a:lnRef idx="2">
+            <a:schemeClr val="accent1">
+              <a:shade val="50000"/>
+            </a:schemeClr>
+          </a:lnRef>
+          <a:fillRef idx="1">
+            <a:schemeClr val="accent1"/>
+          </a:fillRef>
+          <a:effectRef idx="0">
+            <a:schemeClr val="accent1"/>
+          </a:effectRef>
+          <a:fontRef idx="minor">
+            <a:schemeClr val="lt1"/>
+          </a:fontRef>
+        </p:style>
+        <p:txBody>
+          <a:bodyPr rtlCol="0" anchor="ctr"/>
+          <a:lstStyle/>
+          <a:p>
+            <a:pPr algn="ctr"/>
+            <a:endParaRPr lang="ko-KR" altLang="en-US"/>
+          </a:p>
+        </p:txBody>
+      </p:sp>
+      <p:sp>
+        <p:nvSpPr>
+          <p:cNvPr id="20" name="타원 19"/>
+          <p:cNvSpPr/>
+          <p:nvPr/>
+        </p:nvSpPr>
+        <p:spPr>
+          <a:xfrm>
+            <a:off x="4671954" y="2900618"/>
+            <a:ext cx="90000" cy="90000"/>
+          </a:xfrm>
+          <a:prstGeom prst="ellipse">
+            <a:avLst/>
+          </a:prstGeom>
+          <a:solidFill>
+            <a:srgbClr val="0070C0"/>
+          </a:solidFill>
+          <a:ln>
+            <a:noFill/>
+          </a:ln>
+        </p:spPr>
+        <p:style>
+          <a:lnRef idx="2">
+            <a:schemeClr val="accent1">
+              <a:shade val="50000"/>
+            </a:schemeClr>
+          </a:lnRef>
+          <a:fillRef idx="1">
+            <a:schemeClr val="accent1"/>
+          </a:fillRef>
+          <a:effectRef idx="0">
+            <a:schemeClr val="accent1"/>
+          </a:effectRef>
+          <a:fontRef idx="minor">
+            <a:schemeClr val="lt1"/>
+          </a:fontRef>
+        </p:style>
+        <p:txBody>
+          <a:bodyPr rtlCol="0" anchor="ctr"/>
+          <a:lstStyle/>
+          <a:p>
+            <a:pPr algn="ctr"/>
+            <a:endParaRPr lang="ko-KR" altLang="en-US"/>
+          </a:p>
+        </p:txBody>
+      </p:sp>
+      <p:sp>
+        <p:nvSpPr>
+          <p:cNvPr id="21" name="타원 20"/>
+          <p:cNvSpPr/>
+          <p:nvPr/>
+        </p:nvSpPr>
+        <p:spPr>
+          <a:xfrm>
+            <a:off x="6981933" y="2861968"/>
+            <a:ext cx="90000" cy="90000"/>
+          </a:xfrm>
+          <a:prstGeom prst="ellipse">
+            <a:avLst/>
+          </a:prstGeom>
+          <a:solidFill>
+            <a:srgbClr val="00B050"/>
+          </a:solidFill>
+          <a:ln>
+            <a:noFill/>
+          </a:ln>
+        </p:spPr>
+        <p:style>
+          <a:lnRef idx="2">
+            <a:schemeClr val="accent1">
+              <a:shade val="50000"/>
+            </a:schemeClr>
+          </a:lnRef>
+          <a:fillRef idx="1">
+            <a:schemeClr val="accent1"/>
+          </a:fillRef>
+          <a:effectRef idx="0">
+            <a:schemeClr val="accent1"/>
+          </a:effectRef>
+          <a:fontRef idx="minor">
+            <a:schemeClr val="lt1"/>
+          </a:fontRef>
+        </p:style>
+        <p:txBody>
+          <a:bodyPr rtlCol="0" anchor="ctr"/>
+          <a:lstStyle/>
+          <a:p>
+            <a:pPr algn="ctr"/>
+            <a:endParaRPr lang="ko-KR" altLang="en-US"/>
+          </a:p>
+        </p:txBody>
+      </p:sp>
     </p:spTree>
     <p:extLst>
       <p:ext uri="{BB962C8B-B14F-4D97-AF65-F5344CB8AC3E}">
